--- a/docs/diagrams/TabSequenceDiagram.pptx
+++ b/docs/diagrams/TabSequenceDiagram.pptx
@@ -106,7 +106,18 @@
   </p:defaultTextStyle>
   <p:extLst>
     <p:ext uri="{EFAFB233-063F-42B5-8137-9DF3F51BA10A}">
-      <p15:sldGuideLst xmlns="" xmlns:p15="http://schemas.microsoft.com/office/powerpoint/2012/main"/>
+      <p15:sldGuideLst xmlns:p15="http://schemas.microsoft.com/office/powerpoint/2012/main">
+        <p15:guide id="1" orient="horz" pos="2160">
+          <p15:clr>
+            <a:srgbClr val="A4A3A4"/>
+          </p15:clr>
+        </p15:guide>
+        <p15:guide id="2" pos="3840">
+          <p15:clr>
+            <a:srgbClr val="A4A3A4"/>
+          </p15:clr>
+        </p15:guide>
+      </p15:sldGuideLst>
     </p:ext>
   </p:extLst>
 </p:presentation>
@@ -243,7 +254,7 @@
           <a:p>
             <a:fld id="{6687146F-AC1A-BE4F-93FD-8B395688E13E}" type="datetimeFigureOut">
               <a:rPr lang="en-US" smtClean="0"/>
-              <a:t>11/9/2017</a:t>
+              <a:t>11/13/17</a:t>
             </a:fld>
             <a:endParaRPr lang="en-US"/>
           </a:p>
@@ -413,7 +424,7 @@
           <a:p>
             <a:fld id="{6687146F-AC1A-BE4F-93FD-8B395688E13E}" type="datetimeFigureOut">
               <a:rPr lang="en-US" smtClean="0"/>
-              <a:t>11/9/2017</a:t>
+              <a:t>11/13/17</a:t>
             </a:fld>
             <a:endParaRPr lang="en-US"/>
           </a:p>
@@ -593,7 +604,7 @@
           <a:p>
             <a:fld id="{6687146F-AC1A-BE4F-93FD-8B395688E13E}" type="datetimeFigureOut">
               <a:rPr lang="en-US" smtClean="0"/>
-              <a:t>11/9/2017</a:t>
+              <a:t>11/13/17</a:t>
             </a:fld>
             <a:endParaRPr lang="en-US"/>
           </a:p>
@@ -763,7 +774,7 @@
           <a:p>
             <a:fld id="{6687146F-AC1A-BE4F-93FD-8B395688E13E}" type="datetimeFigureOut">
               <a:rPr lang="en-US" smtClean="0"/>
-              <a:t>11/9/2017</a:t>
+              <a:t>11/13/17</a:t>
             </a:fld>
             <a:endParaRPr lang="en-US"/>
           </a:p>
@@ -1009,7 +1020,7 @@
           <a:p>
             <a:fld id="{6687146F-AC1A-BE4F-93FD-8B395688E13E}" type="datetimeFigureOut">
               <a:rPr lang="en-US" smtClean="0"/>
-              <a:t>11/9/2017</a:t>
+              <a:t>11/13/17</a:t>
             </a:fld>
             <a:endParaRPr lang="en-US"/>
           </a:p>
@@ -1241,7 +1252,7 @@
           <a:p>
             <a:fld id="{6687146F-AC1A-BE4F-93FD-8B395688E13E}" type="datetimeFigureOut">
               <a:rPr lang="en-US" smtClean="0"/>
-              <a:t>11/9/2017</a:t>
+              <a:t>11/13/17</a:t>
             </a:fld>
             <a:endParaRPr lang="en-US"/>
           </a:p>
@@ -1608,7 +1619,7 @@
           <a:p>
             <a:fld id="{6687146F-AC1A-BE4F-93FD-8B395688E13E}" type="datetimeFigureOut">
               <a:rPr lang="en-US" smtClean="0"/>
-              <a:t>11/9/2017</a:t>
+              <a:t>11/13/17</a:t>
             </a:fld>
             <a:endParaRPr lang="en-US"/>
           </a:p>
@@ -1726,7 +1737,7 @@
           <a:p>
             <a:fld id="{6687146F-AC1A-BE4F-93FD-8B395688E13E}" type="datetimeFigureOut">
               <a:rPr lang="en-US" smtClean="0"/>
-              <a:t>11/9/2017</a:t>
+              <a:t>11/13/17</a:t>
             </a:fld>
             <a:endParaRPr lang="en-US"/>
           </a:p>
@@ -1821,7 +1832,7 @@
           <a:p>
             <a:fld id="{6687146F-AC1A-BE4F-93FD-8B395688E13E}" type="datetimeFigureOut">
               <a:rPr lang="en-US" smtClean="0"/>
-              <a:t>11/9/2017</a:t>
+              <a:t>11/13/17</a:t>
             </a:fld>
             <a:endParaRPr lang="en-US"/>
           </a:p>
@@ -2098,7 +2109,7 @@
           <a:p>
             <a:fld id="{6687146F-AC1A-BE4F-93FD-8B395688E13E}" type="datetimeFigureOut">
               <a:rPr lang="en-US" smtClean="0"/>
-              <a:t>11/9/2017</a:t>
+              <a:t>11/13/17</a:t>
             </a:fld>
             <a:endParaRPr lang="en-US"/>
           </a:p>
@@ -2351,7 +2362,7 @@
           <a:p>
             <a:fld id="{6687146F-AC1A-BE4F-93FD-8B395688E13E}" type="datetimeFigureOut">
               <a:rPr lang="en-US" smtClean="0"/>
-              <a:t>11/9/2017</a:t>
+              <a:t>11/13/17</a:t>
             </a:fld>
             <a:endParaRPr lang="en-US"/>
           </a:p>
@@ -2564,7 +2575,7 @@
           <a:p>
             <a:fld id="{6687146F-AC1A-BE4F-93FD-8B395688E13E}" type="datetimeFigureOut">
               <a:rPr lang="en-US" smtClean="0"/>
-              <a:t>11/9/2017</a:t>
+              <a:t>11/13/17</a:t>
             </a:fld>
             <a:endParaRPr lang="en-US"/>
           </a:p>
@@ -3035,7 +3046,7 @@
           <p:cNvPr id="64" name="Rectangle 62">
             <a:extLst>
               <a:ext uri="{FF2B5EF4-FFF2-40B4-BE49-F238E27FC236}">
-                <a16:creationId xmlns:a16="http://schemas.microsoft.com/office/drawing/2014/main" xmlns="" id="{741E2D67-73B2-4B6C-A036-12E2C5588EC5}"/>
+                <a16:creationId xmlns="" xmlns:a16="http://schemas.microsoft.com/office/drawing/2014/main" id="{741E2D67-73B2-4B6C-A036-12E2C5588EC5}"/>
               </a:ext>
             </a:extLst>
           </p:cNvPr>
@@ -3100,7 +3111,7 @@
           <p:cNvPr id="65" name="Straight Connector 64">
             <a:extLst>
               <a:ext uri="{FF2B5EF4-FFF2-40B4-BE49-F238E27FC236}">
-                <a16:creationId xmlns:a16="http://schemas.microsoft.com/office/drawing/2014/main" xmlns="" id="{D37C68E5-A242-4C13-9304-0D49AB0456A0}"/>
+                <a16:creationId xmlns="" xmlns:a16="http://schemas.microsoft.com/office/drawing/2014/main" id="{D37C68E5-A242-4C13-9304-0D49AB0456A0}"/>
               </a:ext>
             </a:extLst>
           </p:cNvPr>
@@ -3146,7 +3157,7 @@
           <p:cNvPr id="66" name="Rectangle 65">
             <a:extLst>
               <a:ext uri="{FF2B5EF4-FFF2-40B4-BE49-F238E27FC236}">
-                <a16:creationId xmlns:a16="http://schemas.microsoft.com/office/drawing/2014/main" xmlns="" id="{9564936E-EA3F-4E01-8C27-BCA028C109F9}"/>
+                <a16:creationId xmlns="" xmlns:a16="http://schemas.microsoft.com/office/drawing/2014/main" id="{9564936E-EA3F-4E01-8C27-BCA028C109F9}"/>
               </a:ext>
             </a:extLst>
           </p:cNvPr>
@@ -3199,7 +3210,7 @@
           <p:cNvPr id="67" name="Rectangle 62">
             <a:extLst>
               <a:ext uri="{FF2B5EF4-FFF2-40B4-BE49-F238E27FC236}">
-                <a16:creationId xmlns:a16="http://schemas.microsoft.com/office/drawing/2014/main" xmlns="" id="{E55E9040-E44A-44A6-8434-AA7219C768FA}"/>
+                <a16:creationId xmlns="" xmlns:a16="http://schemas.microsoft.com/office/drawing/2014/main" id="{E55E9040-E44A-44A6-8434-AA7219C768FA}"/>
               </a:ext>
             </a:extLst>
           </p:cNvPr>
@@ -3264,7 +3275,7 @@
           <p:cNvPr id="71" name="Straight Connector 70">
             <a:extLst>
               <a:ext uri="{FF2B5EF4-FFF2-40B4-BE49-F238E27FC236}">
-                <a16:creationId xmlns:a16="http://schemas.microsoft.com/office/drawing/2014/main" xmlns="" id="{1DAD3320-EE85-4BBF-89D0-EF0A26024595}"/>
+                <a16:creationId xmlns="" xmlns:a16="http://schemas.microsoft.com/office/drawing/2014/main" id="{1DAD3320-EE85-4BBF-89D0-EF0A26024595}"/>
               </a:ext>
             </a:extLst>
           </p:cNvPr>
@@ -3310,7 +3321,7 @@
           <p:cNvPr id="72" name="Rectangle 71">
             <a:extLst>
               <a:ext uri="{FF2B5EF4-FFF2-40B4-BE49-F238E27FC236}">
-                <a16:creationId xmlns:a16="http://schemas.microsoft.com/office/drawing/2014/main" xmlns="" id="{2CF79C74-77D3-4E09-BF29-65E2A2E12BC1}"/>
+                <a16:creationId xmlns="" xmlns:a16="http://schemas.microsoft.com/office/drawing/2014/main" id="{2CF79C74-77D3-4E09-BF29-65E2A2E12BC1}"/>
               </a:ext>
             </a:extLst>
           </p:cNvPr>
@@ -3363,7 +3374,7 @@
           <p:cNvPr id="80" name="Rectangle 62">
             <a:extLst>
               <a:ext uri="{FF2B5EF4-FFF2-40B4-BE49-F238E27FC236}">
-                <a16:creationId xmlns:a16="http://schemas.microsoft.com/office/drawing/2014/main" xmlns="" id="{244B8B3F-90FC-426B-B714-D1053D910B41}"/>
+                <a16:creationId xmlns="" xmlns:a16="http://schemas.microsoft.com/office/drawing/2014/main" id="{244B8B3F-90FC-426B-B714-D1053D910B41}"/>
               </a:ext>
             </a:extLst>
           </p:cNvPr>
@@ -3428,7 +3439,7 @@
           <p:cNvPr id="81" name="Straight Connector 80">
             <a:extLst>
               <a:ext uri="{FF2B5EF4-FFF2-40B4-BE49-F238E27FC236}">
-                <a16:creationId xmlns:a16="http://schemas.microsoft.com/office/drawing/2014/main" xmlns="" id="{051C3ADB-BC10-4407-9C87-AFEEBBC91E3A}"/>
+                <a16:creationId xmlns="" xmlns:a16="http://schemas.microsoft.com/office/drawing/2014/main" id="{051C3ADB-BC10-4407-9C87-AFEEBBC91E3A}"/>
               </a:ext>
             </a:extLst>
           </p:cNvPr>
@@ -3473,7 +3484,7 @@
           <p:cNvPr id="82" name="Rectangle 81">
             <a:extLst>
               <a:ext uri="{FF2B5EF4-FFF2-40B4-BE49-F238E27FC236}">
-                <a16:creationId xmlns:a16="http://schemas.microsoft.com/office/drawing/2014/main" xmlns="" id="{81D325C7-9FC1-487D-8BD7-718CA7C6F527}"/>
+                <a16:creationId xmlns="" xmlns:a16="http://schemas.microsoft.com/office/drawing/2014/main" id="{81D325C7-9FC1-487D-8BD7-718CA7C6F527}"/>
               </a:ext>
             </a:extLst>
           </p:cNvPr>
@@ -3526,7 +3537,7 @@
           <p:cNvPr id="94" name="Rectangle 62">
             <a:extLst>
               <a:ext uri="{FF2B5EF4-FFF2-40B4-BE49-F238E27FC236}">
-                <a16:creationId xmlns:a16="http://schemas.microsoft.com/office/drawing/2014/main" xmlns="" id="{B5C664FA-745A-4246-AAF8-975A423AEB2D}"/>
+                <a16:creationId xmlns="" xmlns:a16="http://schemas.microsoft.com/office/drawing/2014/main" id="{B5C664FA-745A-4246-AAF8-975A423AEB2D}"/>
               </a:ext>
             </a:extLst>
           </p:cNvPr>
@@ -3591,7 +3602,7 @@
           <p:cNvPr id="98" name="Straight Connector 97">
             <a:extLst>
               <a:ext uri="{FF2B5EF4-FFF2-40B4-BE49-F238E27FC236}">
-                <a16:creationId xmlns:a16="http://schemas.microsoft.com/office/drawing/2014/main" xmlns="" id="{041F06FF-21A6-4756-AA64-F2413B2A2073}"/>
+                <a16:creationId xmlns="" xmlns:a16="http://schemas.microsoft.com/office/drawing/2014/main" id="{041F06FF-21A6-4756-AA64-F2413B2A2073}"/>
               </a:ext>
             </a:extLst>
           </p:cNvPr>
@@ -3636,7 +3647,7 @@
           <p:cNvPr id="99" name="Rectangle 98">
             <a:extLst>
               <a:ext uri="{FF2B5EF4-FFF2-40B4-BE49-F238E27FC236}">
-                <a16:creationId xmlns:a16="http://schemas.microsoft.com/office/drawing/2014/main" xmlns="" id="{5E910292-90A2-48AE-8AAA-D58AAF550751}"/>
+                <a16:creationId xmlns="" xmlns:a16="http://schemas.microsoft.com/office/drawing/2014/main" id="{5E910292-90A2-48AE-8AAA-D58AAF550751}"/>
               </a:ext>
             </a:extLst>
           </p:cNvPr>
@@ -3689,7 +3700,7 @@
           <p:cNvPr id="100" name="Rectangle 62">
             <a:extLst>
               <a:ext uri="{FF2B5EF4-FFF2-40B4-BE49-F238E27FC236}">
-                <a16:creationId xmlns:a16="http://schemas.microsoft.com/office/drawing/2014/main" xmlns="" id="{0F9E8059-2F7D-4AF0-B59E-487FE5CBDE31}"/>
+                <a16:creationId xmlns="" xmlns:a16="http://schemas.microsoft.com/office/drawing/2014/main" id="{0F9E8059-2F7D-4AF0-B59E-487FE5CBDE31}"/>
               </a:ext>
             </a:extLst>
           </p:cNvPr>
@@ -3754,7 +3765,7 @@
           <p:cNvPr id="106" name="Rectangle 105">
             <a:extLst>
               <a:ext uri="{FF2B5EF4-FFF2-40B4-BE49-F238E27FC236}">
-                <a16:creationId xmlns:a16="http://schemas.microsoft.com/office/drawing/2014/main" xmlns="" id="{56E65239-40FF-437D-B5AF-6C0F45D70CE4}"/>
+                <a16:creationId xmlns="" xmlns:a16="http://schemas.microsoft.com/office/drawing/2014/main" id="{56E65239-40FF-437D-B5AF-6C0F45D70CE4}"/>
               </a:ext>
             </a:extLst>
           </p:cNvPr>
@@ -3807,7 +3818,7 @@
           <p:cNvPr id="111" name="Rectangle 62">
             <a:extLst>
               <a:ext uri="{FF2B5EF4-FFF2-40B4-BE49-F238E27FC236}">
-                <a16:creationId xmlns:a16="http://schemas.microsoft.com/office/drawing/2014/main" xmlns="" id="{F7E01FAE-8FEC-4E75-AF28-4D4AFDDFF41F}"/>
+                <a16:creationId xmlns="" xmlns:a16="http://schemas.microsoft.com/office/drawing/2014/main" id="{F7E01FAE-8FEC-4E75-AF28-4D4AFDDFF41F}"/>
               </a:ext>
             </a:extLst>
           </p:cNvPr>
@@ -3872,7 +3883,7 @@
           <p:cNvPr id="113" name="Straight Connector 112">
             <a:extLst>
               <a:ext uri="{FF2B5EF4-FFF2-40B4-BE49-F238E27FC236}">
-                <a16:creationId xmlns:a16="http://schemas.microsoft.com/office/drawing/2014/main" xmlns="" id="{0D301A41-389B-4B53-87FA-143855080D68}"/>
+                <a16:creationId xmlns="" xmlns:a16="http://schemas.microsoft.com/office/drawing/2014/main" id="{0D301A41-389B-4B53-87FA-143855080D68}"/>
               </a:ext>
             </a:extLst>
           </p:cNvPr>
@@ -3917,7 +3928,7 @@
           <p:cNvPr id="114" name="Rectangle 113">
             <a:extLst>
               <a:ext uri="{FF2B5EF4-FFF2-40B4-BE49-F238E27FC236}">
-                <a16:creationId xmlns:a16="http://schemas.microsoft.com/office/drawing/2014/main" xmlns="" id="{9A17EB3D-7E38-4656-BC55-945883A8456C}"/>
+                <a16:creationId xmlns="" xmlns:a16="http://schemas.microsoft.com/office/drawing/2014/main" id="{9A17EB3D-7E38-4656-BC55-945883A8456C}"/>
               </a:ext>
             </a:extLst>
           </p:cNvPr>
@@ -3970,7 +3981,7 @@
           <p:cNvPr id="115" name="Rectangle 114">
             <a:extLst>
               <a:ext uri="{FF2B5EF4-FFF2-40B4-BE49-F238E27FC236}">
-                <a16:creationId xmlns:a16="http://schemas.microsoft.com/office/drawing/2014/main" xmlns="" id="{74AE9D81-70BF-4D95-9669-90FF5F3897A6}"/>
+                <a16:creationId xmlns="" xmlns:a16="http://schemas.microsoft.com/office/drawing/2014/main" id="{74AE9D81-70BF-4D95-9669-90FF5F3897A6}"/>
               </a:ext>
             </a:extLst>
           </p:cNvPr>
@@ -4023,7 +4034,7 @@
           <p:cNvPr id="117" name="Rectangle 116">
             <a:extLst>
               <a:ext uri="{FF2B5EF4-FFF2-40B4-BE49-F238E27FC236}">
-                <a16:creationId xmlns:a16="http://schemas.microsoft.com/office/drawing/2014/main" xmlns="" id="{3AAC0CCA-28D3-4549-9CC7-D0FD025F3C74}"/>
+                <a16:creationId xmlns="" xmlns:a16="http://schemas.microsoft.com/office/drawing/2014/main" id="{3AAC0CCA-28D3-4549-9CC7-D0FD025F3C74}"/>
               </a:ext>
             </a:extLst>
           </p:cNvPr>
@@ -4076,7 +4087,7 @@
           <p:cNvPr id="119" name="Straight Arrow Connector 118">
             <a:extLst>
               <a:ext uri="{FF2B5EF4-FFF2-40B4-BE49-F238E27FC236}">
-                <a16:creationId xmlns:a16="http://schemas.microsoft.com/office/drawing/2014/main" xmlns="" id="{613ED78B-175D-4368-B5DA-4D0BC1CB4E64}"/>
+                <a16:creationId xmlns="" xmlns:a16="http://schemas.microsoft.com/office/drawing/2014/main" id="{613ED78B-175D-4368-B5DA-4D0BC1CB4E64}"/>
               </a:ext>
             </a:extLst>
           </p:cNvPr>
@@ -4120,7 +4131,7 @@
           <p:cNvPr id="120" name="Straight Arrow Connector 119">
             <a:extLst>
               <a:ext uri="{FF2B5EF4-FFF2-40B4-BE49-F238E27FC236}">
-                <a16:creationId xmlns:a16="http://schemas.microsoft.com/office/drawing/2014/main" xmlns="" id="{911D6701-5E49-4079-A6C3-2699341A8C32}"/>
+                <a16:creationId xmlns="" xmlns:a16="http://schemas.microsoft.com/office/drawing/2014/main" id="{911D6701-5E49-4079-A6C3-2699341A8C32}"/>
               </a:ext>
             </a:extLst>
           </p:cNvPr>
@@ -4164,7 +4175,7 @@
           <p:cNvPr id="121" name="Straight Arrow Connector 120">
             <a:extLst>
               <a:ext uri="{FF2B5EF4-FFF2-40B4-BE49-F238E27FC236}">
-                <a16:creationId xmlns:a16="http://schemas.microsoft.com/office/drawing/2014/main" xmlns="" id="{BD1140D6-9E9B-456D-9912-AA4F20B45D60}"/>
+                <a16:creationId xmlns="" xmlns:a16="http://schemas.microsoft.com/office/drawing/2014/main" id="{BD1140D6-9E9B-456D-9912-AA4F20B45D60}"/>
               </a:ext>
             </a:extLst>
           </p:cNvPr>
@@ -4208,7 +4219,7 @@
           <p:cNvPr id="123" name="Straight Arrow Connector 122">
             <a:extLst>
               <a:ext uri="{FF2B5EF4-FFF2-40B4-BE49-F238E27FC236}">
-                <a16:creationId xmlns:a16="http://schemas.microsoft.com/office/drawing/2014/main" xmlns="" id="{27351E02-AEB1-461E-87E3-006B0FA6D958}"/>
+                <a16:creationId xmlns="" xmlns:a16="http://schemas.microsoft.com/office/drawing/2014/main" id="{27351E02-AEB1-461E-87E3-006B0FA6D958}"/>
               </a:ext>
             </a:extLst>
           </p:cNvPr>
@@ -4252,7 +4263,7 @@
           <p:cNvPr id="124" name="Straight Arrow Connector 123">
             <a:extLst>
               <a:ext uri="{FF2B5EF4-FFF2-40B4-BE49-F238E27FC236}">
-                <a16:creationId xmlns:a16="http://schemas.microsoft.com/office/drawing/2014/main" xmlns="" id="{6C53DCD4-2257-46D2-A176-5F7B4AD5BD51}"/>
+                <a16:creationId xmlns="" xmlns:a16="http://schemas.microsoft.com/office/drawing/2014/main" id="{6C53DCD4-2257-46D2-A176-5F7B4AD5BD51}"/>
               </a:ext>
             </a:extLst>
           </p:cNvPr>
@@ -4296,7 +4307,7 @@
           <p:cNvPr id="125" name="Straight Arrow Connector 124">
             <a:extLst>
               <a:ext uri="{FF2B5EF4-FFF2-40B4-BE49-F238E27FC236}">
-                <a16:creationId xmlns:a16="http://schemas.microsoft.com/office/drawing/2014/main" xmlns="" id="{43540F4E-4B33-4B07-89BA-1DFBD850B073}"/>
+                <a16:creationId xmlns="" xmlns:a16="http://schemas.microsoft.com/office/drawing/2014/main" id="{43540F4E-4B33-4B07-89BA-1DFBD850B073}"/>
               </a:ext>
             </a:extLst>
           </p:cNvPr>
@@ -4340,7 +4351,7 @@
           <p:cNvPr id="126" name="Straight Arrow Connector 125">
             <a:extLst>
               <a:ext uri="{FF2B5EF4-FFF2-40B4-BE49-F238E27FC236}">
-                <a16:creationId xmlns:a16="http://schemas.microsoft.com/office/drawing/2014/main" xmlns="" id="{E0113791-EBBF-4B90-A7E2-479E22575037}"/>
+                <a16:creationId xmlns="" xmlns:a16="http://schemas.microsoft.com/office/drawing/2014/main" id="{E0113791-EBBF-4B90-A7E2-479E22575037}"/>
               </a:ext>
             </a:extLst>
           </p:cNvPr>
@@ -4384,7 +4395,7 @@
           <p:cNvPr id="128" name="TextBox 127">
             <a:extLst>
               <a:ext uri="{FF2B5EF4-FFF2-40B4-BE49-F238E27FC236}">
-                <a16:creationId xmlns:a16="http://schemas.microsoft.com/office/drawing/2014/main" xmlns="" id="{A9FA6633-9E26-47D2-B912-14885FF66EFC}"/>
+                <a16:creationId xmlns="" xmlns:a16="http://schemas.microsoft.com/office/drawing/2014/main" id="{A9FA6633-9E26-47D2-B912-14885FF66EFC}"/>
               </a:ext>
             </a:extLst>
           </p:cNvPr>
@@ -4436,7 +4447,7 @@
           <p:cNvPr id="129" name="TextBox 128">
             <a:extLst>
               <a:ext uri="{FF2B5EF4-FFF2-40B4-BE49-F238E27FC236}">
-                <a16:creationId xmlns:a16="http://schemas.microsoft.com/office/drawing/2014/main" xmlns="" id="{95F15B0D-BF26-4101-9A88-0251A744599E}"/>
+                <a16:creationId xmlns="" xmlns:a16="http://schemas.microsoft.com/office/drawing/2014/main" id="{95F15B0D-BF26-4101-9A88-0251A744599E}"/>
               </a:ext>
             </a:extLst>
           </p:cNvPr>
@@ -4488,7 +4499,7 @@
           <p:cNvPr id="131" name="Straight Arrow Connector 130">
             <a:extLst>
               <a:ext uri="{FF2B5EF4-FFF2-40B4-BE49-F238E27FC236}">
-                <a16:creationId xmlns:a16="http://schemas.microsoft.com/office/drawing/2014/main" xmlns="" id="{20EA7243-3BC2-4710-811B-C7C03A9A4BD8}"/>
+                <a16:creationId xmlns="" xmlns:a16="http://schemas.microsoft.com/office/drawing/2014/main" id="{20EA7243-3BC2-4710-811B-C7C03A9A4BD8}"/>
               </a:ext>
             </a:extLst>
           </p:cNvPr>
@@ -4535,7 +4546,7 @@
           <p:cNvPr id="132" name="Straight Arrow Connector 131">
             <a:extLst>
               <a:ext uri="{FF2B5EF4-FFF2-40B4-BE49-F238E27FC236}">
-                <a16:creationId xmlns:a16="http://schemas.microsoft.com/office/drawing/2014/main" xmlns="" id="{2B8B7A60-C9A1-4750-A1D1-39059E01E15F}"/>
+                <a16:creationId xmlns="" xmlns:a16="http://schemas.microsoft.com/office/drawing/2014/main" id="{2B8B7A60-C9A1-4750-A1D1-39059E01E15F}"/>
               </a:ext>
             </a:extLst>
           </p:cNvPr>
@@ -4581,7 +4592,7 @@
           <p:cNvPr id="133" name="Straight Arrow Connector 132">
             <a:extLst>
               <a:ext uri="{FF2B5EF4-FFF2-40B4-BE49-F238E27FC236}">
-                <a16:creationId xmlns:a16="http://schemas.microsoft.com/office/drawing/2014/main" xmlns="" id="{4C3CBBF1-9CC8-42D5-9668-23A8DDB181A2}"/>
+                <a16:creationId xmlns="" xmlns:a16="http://schemas.microsoft.com/office/drawing/2014/main" id="{4C3CBBF1-9CC8-42D5-9668-23A8DDB181A2}"/>
               </a:ext>
             </a:extLst>
           </p:cNvPr>
@@ -4628,7 +4639,7 @@
           <p:cNvPr id="134" name="Straight Arrow Connector 133">
             <a:extLst>
               <a:ext uri="{FF2B5EF4-FFF2-40B4-BE49-F238E27FC236}">
-                <a16:creationId xmlns:a16="http://schemas.microsoft.com/office/drawing/2014/main" xmlns="" id="{D7323070-8EB6-4379-B6A5-9F8F822C784E}"/>
+                <a16:creationId xmlns="" xmlns:a16="http://schemas.microsoft.com/office/drawing/2014/main" id="{D7323070-8EB6-4379-B6A5-9F8F822C784E}"/>
               </a:ext>
             </a:extLst>
           </p:cNvPr>
@@ -4674,7 +4685,7 @@
           <p:cNvPr id="137" name="Straight Arrow Connector 136">
             <a:extLst>
               <a:ext uri="{FF2B5EF4-FFF2-40B4-BE49-F238E27FC236}">
-                <a16:creationId xmlns:a16="http://schemas.microsoft.com/office/drawing/2014/main" xmlns="" id="{CC3105E6-89ED-42F5-8664-9BF77E9A8840}"/>
+                <a16:creationId xmlns="" xmlns:a16="http://schemas.microsoft.com/office/drawing/2014/main" id="{CC3105E6-89ED-42F5-8664-9BF77E9A8840}"/>
               </a:ext>
             </a:extLst>
           </p:cNvPr>
@@ -4720,7 +4731,7 @@
           <p:cNvPr id="141" name="Straight Arrow Connector 140">
             <a:extLst>
               <a:ext uri="{FF2B5EF4-FFF2-40B4-BE49-F238E27FC236}">
-                <a16:creationId xmlns:a16="http://schemas.microsoft.com/office/drawing/2014/main" xmlns="" id="{84D22690-6A4B-4E7C-8241-1F4EF976CCFA}"/>
+                <a16:creationId xmlns="" xmlns:a16="http://schemas.microsoft.com/office/drawing/2014/main" id="{84D22690-6A4B-4E7C-8241-1F4EF976CCFA}"/>
               </a:ext>
             </a:extLst>
           </p:cNvPr>
@@ -4766,7 +4777,7 @@
           <p:cNvPr id="144" name="TextBox 143">
             <a:extLst>
               <a:ext uri="{FF2B5EF4-FFF2-40B4-BE49-F238E27FC236}">
-                <a16:creationId xmlns:a16="http://schemas.microsoft.com/office/drawing/2014/main" xmlns="" id="{BA7F947A-FBFF-423E-AA78-C6A65BEBA446}"/>
+                <a16:creationId xmlns="" xmlns:a16="http://schemas.microsoft.com/office/drawing/2014/main" id="{BA7F947A-FBFF-423E-AA78-C6A65BEBA446}"/>
               </a:ext>
             </a:extLst>
           </p:cNvPr>
@@ -4818,7 +4829,7 @@
           <p:cNvPr id="145" name="TextBox 144">
             <a:extLst>
               <a:ext uri="{FF2B5EF4-FFF2-40B4-BE49-F238E27FC236}">
-                <a16:creationId xmlns:a16="http://schemas.microsoft.com/office/drawing/2014/main" xmlns="" id="{31A7364C-6EDD-4B3D-95F1-148A649827BD}"/>
+                <a16:creationId xmlns="" xmlns:a16="http://schemas.microsoft.com/office/drawing/2014/main" id="{31A7364C-6EDD-4B3D-95F1-148A649827BD}"/>
               </a:ext>
             </a:extLst>
           </p:cNvPr>
@@ -4862,7 +4873,7 @@
           <p:cNvPr id="146" name="TextBox 145">
             <a:extLst>
               <a:ext uri="{FF2B5EF4-FFF2-40B4-BE49-F238E27FC236}">
-                <a16:creationId xmlns:a16="http://schemas.microsoft.com/office/drawing/2014/main" xmlns="" id="{9F78BEE1-6435-4C54-8B51-50F2A803607C}"/>
+                <a16:creationId xmlns="" xmlns:a16="http://schemas.microsoft.com/office/drawing/2014/main" id="{9F78BEE1-6435-4C54-8B51-50F2A803607C}"/>
               </a:ext>
             </a:extLst>
           </p:cNvPr>
@@ -4901,7 +4912,7 @@
           <p:cNvPr id="147" name="TextBox 146">
             <a:extLst>
               <a:ext uri="{FF2B5EF4-FFF2-40B4-BE49-F238E27FC236}">
-                <a16:creationId xmlns:a16="http://schemas.microsoft.com/office/drawing/2014/main" xmlns="" id="{06278A41-A1E8-49B0-ADD3-E2B6A17BF69C}"/>
+                <a16:creationId xmlns="" xmlns:a16="http://schemas.microsoft.com/office/drawing/2014/main" id="{06278A41-A1E8-49B0-ADD3-E2B6A17BF69C}"/>
               </a:ext>
             </a:extLst>
           </p:cNvPr>
@@ -4940,7 +4951,7 @@
           <p:cNvPr id="148" name="Straight Arrow Connector 147">
             <a:extLst>
               <a:ext uri="{FF2B5EF4-FFF2-40B4-BE49-F238E27FC236}">
-                <a16:creationId xmlns:a16="http://schemas.microsoft.com/office/drawing/2014/main" xmlns="" id="{C681C4E4-5153-4269-A3C3-4B070DBC29DA}"/>
+                <a16:creationId xmlns="" xmlns:a16="http://schemas.microsoft.com/office/drawing/2014/main" id="{C681C4E4-5153-4269-A3C3-4B070DBC29DA}"/>
               </a:ext>
             </a:extLst>
           </p:cNvPr>
@@ -4986,7 +4997,7 @@
           <p:cNvPr id="151" name="TextBox 150">
             <a:extLst>
               <a:ext uri="{FF2B5EF4-FFF2-40B4-BE49-F238E27FC236}">
-                <a16:creationId xmlns:a16="http://schemas.microsoft.com/office/drawing/2014/main" xmlns="" id="{F5BB3F08-BC9E-493F-827B-1CAB8B338C8F}"/>
+                <a16:creationId xmlns="" xmlns:a16="http://schemas.microsoft.com/office/drawing/2014/main" id="{F5BB3F08-BC9E-493F-827B-1CAB8B338C8F}"/>
               </a:ext>
             </a:extLst>
           </p:cNvPr>
@@ -5025,7 +5036,7 @@
           <p:cNvPr id="154" name="Straight Arrow Connector 153">
             <a:extLst>
               <a:ext uri="{FF2B5EF4-FFF2-40B4-BE49-F238E27FC236}">
-                <a16:creationId xmlns:a16="http://schemas.microsoft.com/office/drawing/2014/main" xmlns="" id="{F9AD1C72-6154-41F8-B04B-19D73E65AA70}"/>
+                <a16:creationId xmlns="" xmlns:a16="http://schemas.microsoft.com/office/drawing/2014/main" id="{F9AD1C72-6154-41F8-B04B-19D73E65AA70}"/>
               </a:ext>
             </a:extLst>
           </p:cNvPr>
@@ -5069,7 +5080,7 @@
           <p:cNvPr id="157" name="TextBox 156">
             <a:extLst>
               <a:ext uri="{FF2B5EF4-FFF2-40B4-BE49-F238E27FC236}">
-                <a16:creationId xmlns:a16="http://schemas.microsoft.com/office/drawing/2014/main" xmlns="" id="{44DD9991-0555-4E46-B249-F5AF8E3100F8}"/>
+                <a16:creationId xmlns="" xmlns:a16="http://schemas.microsoft.com/office/drawing/2014/main" id="{44DD9991-0555-4E46-B249-F5AF8E3100F8}"/>
               </a:ext>
             </a:extLst>
           </p:cNvPr>
@@ -5104,7 +5115,7 @@
           <p:cNvPr id="46" name="TextBox 45">
             <a:extLst>
               <a:ext uri="{FF2B5EF4-FFF2-40B4-BE49-F238E27FC236}">
-                <a16:creationId xmlns:a16="http://schemas.microsoft.com/office/drawing/2014/main" xmlns="" id="{E76EE883-EEE9-4E1D-A1C8-B2B38B6F5BFA}"/>
+                <a16:creationId xmlns="" xmlns:a16="http://schemas.microsoft.com/office/drawing/2014/main" id="{E76EE883-EEE9-4E1D-A1C8-B2B38B6F5BFA}"/>
               </a:ext>
             </a:extLst>
           </p:cNvPr>
@@ -5148,7 +5159,7 @@
           <p:cNvPr id="54" name="TextBox 53">
             <a:extLst>
               <a:ext uri="{FF2B5EF4-FFF2-40B4-BE49-F238E27FC236}">
-                <a16:creationId xmlns:a16="http://schemas.microsoft.com/office/drawing/2014/main" xmlns="" id="{31A7364C-6EDD-4B3D-95F1-148A649827BD}"/>
+                <a16:creationId xmlns="" xmlns:a16="http://schemas.microsoft.com/office/drawing/2014/main" id="{31A7364C-6EDD-4B3D-95F1-148A649827BD}"/>
               </a:ext>
             </a:extLst>
           </p:cNvPr>
@@ -5192,7 +5203,7 @@
           <p:cNvPr id="55" name="TextBox 54">
             <a:extLst>
               <a:ext uri="{FF2B5EF4-FFF2-40B4-BE49-F238E27FC236}">
-                <a16:creationId xmlns:a16="http://schemas.microsoft.com/office/drawing/2014/main" xmlns="" id="{31A7364C-6EDD-4B3D-95F1-148A649827BD}"/>
+                <a16:creationId xmlns="" xmlns:a16="http://schemas.microsoft.com/office/drawing/2014/main" id="{31A7364C-6EDD-4B3D-95F1-148A649827BD}"/>
               </a:ext>
             </a:extLst>
           </p:cNvPr>
@@ -5236,7 +5247,7 @@
           <p:cNvPr id="56" name="Straight Arrow Connector 55">
             <a:extLst>
               <a:ext uri="{FF2B5EF4-FFF2-40B4-BE49-F238E27FC236}">
-                <a16:creationId xmlns:a16="http://schemas.microsoft.com/office/drawing/2014/main" xmlns="" id="{4C3CBBF1-9CC8-42D5-9668-23A8DDB181A2}"/>
+                <a16:creationId xmlns="" xmlns:a16="http://schemas.microsoft.com/office/drawing/2014/main" id="{4C3CBBF1-9CC8-42D5-9668-23A8DDB181A2}"/>
               </a:ext>
             </a:extLst>
           </p:cNvPr>
@@ -5283,7 +5294,7 @@
           <p:cNvPr id="62" name="Straight Connector 61">
             <a:extLst>
               <a:ext uri="{FF2B5EF4-FFF2-40B4-BE49-F238E27FC236}">
-                <a16:creationId xmlns="" xmlns:a16="http://schemas.microsoft.com/office/drawing/2014/main" id="{E4E1C8CA-49DF-45D8-80A5-D5C8282EE927}"/>
+                <a16:creationId xmlns:a16="http://schemas.microsoft.com/office/drawing/2014/main" xmlns="" id="{E4E1C8CA-49DF-45D8-80A5-D5C8282EE927}"/>
               </a:ext>
             </a:extLst>
           </p:cNvPr>
@@ -5598,7 +5609,7 @@
   <a:extraClrSchemeLst/>
   <a:extLst>
     <a:ext uri="{05A4C25C-085E-4340-85A3-A5531E510DB2}">
-      <thm15:themeFamily xmlns="" xmlns:thm15="http://schemas.microsoft.com/office/thememl/2012/main" name="Office Theme" id="{62F939B6-93AF-4DB8-9C6B-D6C7DFDC589F}" vid="{4A3C46E8-61CC-4603-A589-7422A47A8E4A}"/>
+      <thm15:themeFamily xmlns:thm15="http://schemas.microsoft.com/office/thememl/2012/main" name="Office Theme" id="{62F939B6-93AF-4DB8-9C6B-D6C7DFDC589F}" vid="{4A3C46E8-61CC-4603-A589-7422A47A8E4A}"/>
     </a:ext>
   </a:extLst>
 </a:theme>
